--- a/classes/prog2021/Prog3-Lecture08.pptx
+++ b/classes/prog2021/Prog3-Lecture08.pptx
@@ -162,10 +162,6 @@
 </p:presentation>
 </file>
 
-<file path=ppt/revisionInfo.xml><?xml version="1.0" encoding="utf-8"?>
-<p1510:revInfo xmlns:a="http://schemas.openxmlformats.org/drawingml/2006/main" xmlns:r="http://schemas.openxmlformats.org/officeDocument/2006/relationships" xmlns:p1510="http://schemas.microsoft.com/office/powerpoint/2015/10/main"/>
-</file>
-
 <file path=ppt/notesMasters/notesMaster1.xml><?xml version="1.0" encoding="utf-8"?>
 <p:notesMaster xmlns:a="http://schemas.openxmlformats.org/drawingml/2006/main" xmlns:r="http://schemas.openxmlformats.org/officeDocument/2006/relationships" xmlns:p="http://schemas.openxmlformats.org/presentationml/2006/main">
   <p:cSld>
@@ -249,7 +245,7 @@
             <a:fld id="{32335909-3D24-4715-B7D8-CE21EEF0751A}" type="datetimeFigureOut">
               <a:rPr lang="en-US" smtClean="0"/>
               <a:pPr/>
-              <a:t>9/21/2017</a:t>
+              <a:t>9/21/2021</a:t>
             </a:fld>
             <a:endParaRPr lang="en-US"/>
           </a:p>
@@ -3728,7 +3724,7 @@
             <a:fld id="{1D8BD707-D9CF-40AE-B4C6-C98DA3205C09}" type="datetimeFigureOut">
               <a:rPr lang="en-US" smtClean="0"/>
               <a:pPr/>
-              <a:t>9/21/2017</a:t>
+              <a:t>9/21/2021</a:t>
             </a:fld>
             <a:endParaRPr lang="en-US"/>
           </a:p>
@@ -3893,7 +3889,7 @@
             <a:fld id="{1D8BD707-D9CF-40AE-B4C6-C98DA3205C09}" type="datetimeFigureOut">
               <a:rPr lang="en-US" smtClean="0"/>
               <a:pPr/>
-              <a:t>9/21/2017</a:t>
+              <a:t>9/21/2021</a:t>
             </a:fld>
             <a:endParaRPr lang="en-US"/>
           </a:p>
@@ -4068,7 +4064,7 @@
             <a:fld id="{1D8BD707-D9CF-40AE-B4C6-C98DA3205C09}" type="datetimeFigureOut">
               <a:rPr lang="en-US" smtClean="0"/>
               <a:pPr/>
-              <a:t>9/21/2017</a:t>
+              <a:t>9/21/2021</a:t>
             </a:fld>
             <a:endParaRPr lang="en-US"/>
           </a:p>
@@ -4233,7 +4229,7 @@
             <a:fld id="{1D8BD707-D9CF-40AE-B4C6-C98DA3205C09}" type="datetimeFigureOut">
               <a:rPr lang="en-US" smtClean="0"/>
               <a:pPr/>
-              <a:t>9/21/2017</a:t>
+              <a:t>9/21/2021</a:t>
             </a:fld>
             <a:endParaRPr lang="en-US"/>
           </a:p>
@@ -4475,7 +4471,7 @@
             <a:fld id="{1D8BD707-D9CF-40AE-B4C6-C98DA3205C09}" type="datetimeFigureOut">
               <a:rPr lang="en-US" smtClean="0"/>
               <a:pPr/>
-              <a:t>9/21/2017</a:t>
+              <a:t>9/21/2021</a:t>
             </a:fld>
             <a:endParaRPr lang="en-US"/>
           </a:p>
@@ -4757,7 +4753,7 @@
             <a:fld id="{1D8BD707-D9CF-40AE-B4C6-C98DA3205C09}" type="datetimeFigureOut">
               <a:rPr lang="en-US" smtClean="0"/>
               <a:pPr/>
-              <a:t>9/21/2017</a:t>
+              <a:t>9/21/2021</a:t>
             </a:fld>
             <a:endParaRPr lang="en-US"/>
           </a:p>
@@ -5173,7 +5169,7 @@
             <a:fld id="{1D8BD707-D9CF-40AE-B4C6-C98DA3205C09}" type="datetimeFigureOut">
               <a:rPr lang="en-US" smtClean="0"/>
               <a:pPr/>
-              <a:t>9/21/2017</a:t>
+              <a:t>9/21/2021</a:t>
             </a:fld>
             <a:endParaRPr lang="en-US"/>
           </a:p>
@@ -5287,7 +5283,7 @@
             <a:fld id="{1D8BD707-D9CF-40AE-B4C6-C98DA3205C09}" type="datetimeFigureOut">
               <a:rPr lang="en-US" smtClean="0"/>
               <a:pPr/>
-              <a:t>9/21/2017</a:t>
+              <a:t>9/21/2021</a:t>
             </a:fld>
             <a:endParaRPr lang="en-US"/>
           </a:p>
@@ -5379,7 +5375,7 @@
             <a:fld id="{1D8BD707-D9CF-40AE-B4C6-C98DA3205C09}" type="datetimeFigureOut">
               <a:rPr lang="en-US" smtClean="0"/>
               <a:pPr/>
-              <a:t>9/21/2017</a:t>
+              <a:t>9/21/2021</a:t>
             </a:fld>
             <a:endParaRPr lang="en-US"/>
           </a:p>
@@ -5651,7 +5647,7 @@
             <a:fld id="{1D8BD707-D9CF-40AE-B4C6-C98DA3205C09}" type="datetimeFigureOut">
               <a:rPr lang="en-US" smtClean="0"/>
               <a:pPr/>
-              <a:t>9/21/2017</a:t>
+              <a:t>9/21/2021</a:t>
             </a:fld>
             <a:endParaRPr lang="en-US"/>
           </a:p>
@@ -5900,7 +5896,7 @@
             <a:fld id="{1D8BD707-D9CF-40AE-B4C6-C98DA3205C09}" type="datetimeFigureOut">
               <a:rPr lang="en-US" smtClean="0"/>
               <a:pPr/>
-              <a:t>9/21/2017</a:t>
+              <a:t>9/21/2021</a:t>
             </a:fld>
             <a:endParaRPr lang="en-US"/>
           </a:p>
@@ -6108,7 +6104,7 @@
             <a:fld id="{1D8BD707-D9CF-40AE-B4C6-C98DA3205C09}" type="datetimeFigureOut">
               <a:rPr lang="en-US" smtClean="0"/>
               <a:pPr/>
-              <a:t>9/21/2017</a:t>
+              <a:t>9/21/2021</a:t>
             </a:fld>
             <a:endParaRPr lang="en-US"/>
           </a:p>
@@ -12630,7 +12626,7 @@
         <p:spPr>
           <a:xfrm>
             <a:off x="1219200" y="304800"/>
-            <a:ext cx="5074979" cy="369332"/>
+            <a:ext cx="4708533" cy="369332"/>
           </a:xfrm>
           <a:prstGeom prst="rect">
             <a:avLst/>
@@ -12645,7 +12641,7 @@
           <a:p>
             <a:r>
               <a:rPr lang="en-US" dirty="0"/>
-              <a:t>== works differently for primitive types and objects..</a:t>
+              <a:t>== works differently for basic types and objects..</a:t>
             </a:r>
           </a:p>
         </p:txBody>
@@ -12723,7 +12719,7 @@
         <p:spPr>
           <a:xfrm>
             <a:off x="838200" y="2895600"/>
-            <a:ext cx="5236242" cy="369332"/>
+            <a:ext cx="4869795" cy="369332"/>
           </a:xfrm>
           <a:prstGeom prst="rect">
             <a:avLst/>
@@ -12737,8 +12733,12 @@
           <a:lstStyle/>
           <a:p>
             <a:r>
-              <a:rPr lang="en-US" dirty="0"/>
-              <a:t>For primitives == compares the values of the variables</a:t>
+              <a:rPr lang="en-US"/>
+              <a:t>For basics </a:t>
+            </a:r>
+            <a:r>
+              <a:rPr lang="en-US" dirty="0"/>
+              <a:t>== compares the values of the variables</a:t>
             </a:r>
           </a:p>
         </p:txBody>
